--- a/OOD/Präsentation/Gruppe1_Wiesn_Run.pptx
+++ b/OOD/Präsentation/Gruppe1_Wiesn_Run.pptx
@@ -6069,7 +6069,7 @@
                   <a:schemeClr val="dk1"/>
                 </a:solidFill>
               </a:rPr>
-              <a:t>Ziel: Möglichst viele Spielfunktionen unabhängig von Qt programmieren</a:t>
+              <a:t>Ziel: Möglichst viele Spielfunktionen selbst programmieren</a:t>
             </a:r>
           </a:p>
           <a:p>
